--- a/3. 객체지향 심화.pptx
+++ b/3. 객체지향 심화.pptx
@@ -3438,14 +3438,14 @@
                 <a:latin typeface="나눔스퀘어라운드OTF Light" panose="020B0600000101010101" pitchFamily="34" charset="-127"/>
                 <a:ea typeface="나눔스퀘어라운드OTF Light" panose="020B0600000101010101" pitchFamily="34" charset="-127"/>
               </a:rPr>
-              <a:t>2. </a:t>
-            </a:r>
-            <a:r>
-              <a:rPr lang="ko-KR" altLang="en-US" sz="1600">
-                <a:latin typeface="나눔스퀘어라운드OTF Light" panose="020B0600000101010101" pitchFamily="34" charset="-127"/>
-                <a:ea typeface="나눔스퀘어라운드OTF Light" panose="020B0600000101010101" pitchFamily="34" charset="-127"/>
-              </a:rPr>
-              <a:t>객체지향 기초</a:t>
+              <a:t>3. </a:t>
+            </a:r>
+            <a:r>
+              <a:rPr lang="ko-KR" altLang="en-US" sz="1600">
+                <a:latin typeface="나눔스퀘어라운드OTF Light" panose="020B0600000101010101" pitchFamily="34" charset="-127"/>
+                <a:ea typeface="나눔스퀘어라운드OTF Light" panose="020B0600000101010101" pitchFamily="34" charset="-127"/>
+              </a:rPr>
+              <a:t>객체지향 심화</a:t>
             </a:r>
           </a:p>
         </p:txBody>
@@ -7926,7 +7926,7 @@
                 <a:latin typeface="나눔스퀘어라운드OTF Light" panose="020B0600000101010101" pitchFamily="34" charset="-127"/>
                 <a:ea typeface="나눔스퀘어라운드OTF Light" panose="020B0600000101010101" pitchFamily="34" charset="-127"/>
               </a:rPr>
-              <a:t>라는 메소가 있고</a:t>
+              <a:t>라는 메소드가 있고</a:t>
             </a:r>
             <a:r>
               <a:rPr lang="en-US" altLang="ko-KR" sz="1600">
@@ -17064,7 +17064,7 @@
                 <a:latin typeface="나눔스퀘어라운드OTF Light" panose="020B0600000101010101" pitchFamily="34" charset="-127"/>
                 <a:ea typeface="나눔스퀘어라운드OTF Light" panose="020B0600000101010101" pitchFamily="34" charset="-127"/>
               </a:rPr>
-              <a:t>2. </a:t>
+              <a:t>3. </a:t>
             </a:r>
             <a:r>
               <a:rPr lang="ko-KR" altLang="en-US" sz="1600">
